--- a/R/Results/TJHcarn_intermat.pptx
+++ b/R/Results/TJHcarn_intermat.pptx
@@ -4362,15 +4362,15 @@
           </p:nvSpPr>
           <p:spPr>
             <a:xfrm>
-              <a:off x="7416577" y="3151231"/>
-              <a:ext cx="0" cy="1095455"/>
+              <a:off x="7416577" y="2919999"/>
+              <a:ext cx="0" cy="1543415"/>
             </a:xfrm>
             <a:custGeom>
               <a:avLst/>
               <a:pathLst>
-                <a:path w="0" h="1095455">
+                <a:path w="0" h="1543415">
                   <a:moveTo>
-                    <a:pt x="0" y="1095455"/>
+                    <a:pt x="0" y="1543415"/>
                   </a:moveTo>
                   <a:lnTo>
                     <a:pt x="0" y="0"/>
@@ -4402,7 +4402,7 @@
           </p:nvSpPr>
           <p:spPr>
             <a:xfrm>
-              <a:off x="7416577" y="4246687"/>
+              <a:off x="7416577" y="4463415"/>
               <a:ext cx="91440" cy="0"/>
             </a:xfrm>
             <a:custGeom>
@@ -4442,7 +4442,7 @@
           </p:nvSpPr>
           <p:spPr>
             <a:xfrm>
-              <a:off x="7416577" y="3881535"/>
+              <a:off x="7416577" y="4242927"/>
               <a:ext cx="91440" cy="0"/>
             </a:xfrm>
             <a:custGeom>
@@ -4482,7 +4482,7 @@
           </p:nvSpPr>
           <p:spPr>
             <a:xfrm>
-              <a:off x="7416577" y="3516383"/>
+              <a:off x="7416577" y="4022439"/>
               <a:ext cx="91440" cy="0"/>
             </a:xfrm>
             <a:custGeom>
@@ -4522,7 +4522,7 @@
           </p:nvSpPr>
           <p:spPr>
             <a:xfrm>
-              <a:off x="7416577" y="3151231"/>
+              <a:off x="7416577" y="3801951"/>
               <a:ext cx="91440" cy="0"/>
             </a:xfrm>
             <a:custGeom>
@@ -4556,14 +4556,174 @@
         </p:sp>
         <p:sp>
           <p:nvSpPr>
-            <p:cNvPr id="38" name="tx38"/>
+            <p:cNvPr id="38" name="pl38"/>
             <p:cNvSpPr/>
             <p:nvPr/>
           </p:nvSpPr>
           <p:spPr>
             <a:xfrm>
-              <a:off x="7599458" y="4189834"/>
-              <a:ext cx="211856" cy="111397"/>
+              <a:off x="7416577" y="3581463"/>
+              <a:ext cx="91440" cy="0"/>
+            </a:xfrm>
+            <a:custGeom>
+              <a:avLst/>
+              <a:pathLst>
+                <a:path w="91440" h="0">
+                  <a:moveTo>
+                    <a:pt x="0" y="0"/>
+                  </a:moveTo>
+                  <a:lnTo>
+                    <a:pt x="91440" y="0"/>
+                  </a:lnTo>
+                </a:path>
+              </a:pathLst>
+            </a:custGeom>
+            <a:ln w="9525" cap="rnd">
+              <a:solidFill>
+                <a:srgbClr val="000000">
+                  <a:alpha val="100000"/>
+                </a:srgbClr>
+              </a:solidFill>
+              <a:prstDash val="solid"/>
+              <a:round/>
+            </a:ln>
+          </p:spPr>
+          <p:txBody>
+            <a:bodyPr/>
+            <a:lstStyle/>
+            <a:p/>
+          </p:txBody>
+        </p:sp>
+        <p:sp>
+          <p:nvSpPr>
+            <p:cNvPr id="39" name="pl39"/>
+            <p:cNvSpPr/>
+            <p:nvPr/>
+          </p:nvSpPr>
+          <p:spPr>
+            <a:xfrm>
+              <a:off x="7416577" y="3360975"/>
+              <a:ext cx="91440" cy="0"/>
+            </a:xfrm>
+            <a:custGeom>
+              <a:avLst/>
+              <a:pathLst>
+                <a:path w="91440" h="0">
+                  <a:moveTo>
+                    <a:pt x="0" y="0"/>
+                  </a:moveTo>
+                  <a:lnTo>
+                    <a:pt x="91440" y="0"/>
+                  </a:lnTo>
+                </a:path>
+              </a:pathLst>
+            </a:custGeom>
+            <a:ln w="9525" cap="rnd">
+              <a:solidFill>
+                <a:srgbClr val="000000">
+                  <a:alpha val="100000"/>
+                </a:srgbClr>
+              </a:solidFill>
+              <a:prstDash val="solid"/>
+              <a:round/>
+            </a:ln>
+          </p:spPr>
+          <p:txBody>
+            <a:bodyPr/>
+            <a:lstStyle/>
+            <a:p/>
+          </p:txBody>
+        </p:sp>
+        <p:sp>
+          <p:nvSpPr>
+            <p:cNvPr id="40" name="pl40"/>
+            <p:cNvSpPr/>
+            <p:nvPr/>
+          </p:nvSpPr>
+          <p:spPr>
+            <a:xfrm>
+              <a:off x="7416577" y="3140487"/>
+              <a:ext cx="91440" cy="0"/>
+            </a:xfrm>
+            <a:custGeom>
+              <a:avLst/>
+              <a:pathLst>
+                <a:path w="91440" h="0">
+                  <a:moveTo>
+                    <a:pt x="0" y="0"/>
+                  </a:moveTo>
+                  <a:lnTo>
+                    <a:pt x="91440" y="0"/>
+                  </a:lnTo>
+                </a:path>
+              </a:pathLst>
+            </a:custGeom>
+            <a:ln w="9525" cap="rnd">
+              <a:solidFill>
+                <a:srgbClr val="000000">
+                  <a:alpha val="100000"/>
+                </a:srgbClr>
+              </a:solidFill>
+              <a:prstDash val="solid"/>
+              <a:round/>
+            </a:ln>
+          </p:spPr>
+          <p:txBody>
+            <a:bodyPr/>
+            <a:lstStyle/>
+            <a:p/>
+          </p:txBody>
+        </p:sp>
+        <p:sp>
+          <p:nvSpPr>
+            <p:cNvPr id="41" name="pl41"/>
+            <p:cNvSpPr/>
+            <p:nvPr/>
+          </p:nvSpPr>
+          <p:spPr>
+            <a:xfrm>
+              <a:off x="7416577" y="2919999"/>
+              <a:ext cx="91440" cy="0"/>
+            </a:xfrm>
+            <a:custGeom>
+              <a:avLst/>
+              <a:pathLst>
+                <a:path w="91440" h="0">
+                  <a:moveTo>
+                    <a:pt x="0" y="0"/>
+                  </a:moveTo>
+                  <a:lnTo>
+                    <a:pt x="91440" y="0"/>
+                  </a:lnTo>
+                </a:path>
+              </a:pathLst>
+            </a:custGeom>
+            <a:ln w="9525" cap="rnd">
+              <a:solidFill>
+                <a:srgbClr val="000000">
+                  <a:alpha val="100000"/>
+                </a:srgbClr>
+              </a:solidFill>
+              <a:prstDash val="solid"/>
+              <a:round/>
+            </a:ln>
+          </p:spPr>
+          <p:txBody>
+            <a:bodyPr/>
+            <a:lstStyle/>
+            <a:p/>
+          </p:txBody>
+        </p:sp>
+        <p:sp>
+          <p:nvSpPr>
+            <p:cNvPr id="42" name="tx42"/>
+            <p:cNvSpPr/>
+            <p:nvPr/>
+          </p:nvSpPr>
+          <p:spPr>
+            <a:xfrm>
+              <a:off x="7599458" y="4406563"/>
+              <a:ext cx="347364" cy="111397"/>
             </a:xfrm>
             <a:prstGeom prst="rect">
               <a:avLst/>
@@ -4595,21 +4755,21 @@
                   <a:latin typeface="Arial"/>
                   <a:cs typeface="Arial"/>
                 </a:rPr>
-                <a:t>0.0</a:t>
+                <a:t>-0.15</a:t>
               </a:r>
             </a:p>
           </p:txBody>
         </p:sp>
         <p:sp>
           <p:nvSpPr>
-            <p:cNvPr id="39" name="tx39"/>
+            <p:cNvPr id="43" name="tx43"/>
             <p:cNvSpPr/>
             <p:nvPr/>
           </p:nvSpPr>
           <p:spPr>
             <a:xfrm>
-              <a:off x="7599458" y="3824682"/>
-              <a:ext cx="211856" cy="111397"/>
+              <a:off x="7599458" y="4186075"/>
+              <a:ext cx="347364" cy="111397"/>
             </a:xfrm>
             <a:prstGeom prst="rect">
               <a:avLst/>
@@ -4641,21 +4801,21 @@
                   <a:latin typeface="Arial"/>
                   <a:cs typeface="Arial"/>
                 </a:rPr>
-                <a:t>0.1</a:t>
+                <a:t>-0.10</a:t>
               </a:r>
             </a:p>
           </p:txBody>
         </p:sp>
         <p:sp>
           <p:nvSpPr>
-            <p:cNvPr id="40" name="tx40"/>
+            <p:cNvPr id="44" name="tx44"/>
             <p:cNvSpPr/>
             <p:nvPr/>
           </p:nvSpPr>
           <p:spPr>
             <a:xfrm>
-              <a:off x="7599458" y="3459531"/>
-              <a:ext cx="211856" cy="111397"/>
+              <a:off x="7599458" y="3965587"/>
+              <a:ext cx="347364" cy="111397"/>
             </a:xfrm>
             <a:prstGeom prst="rect">
               <a:avLst/>
@@ -4687,21 +4847,21 @@
                   <a:latin typeface="Arial"/>
                   <a:cs typeface="Arial"/>
                 </a:rPr>
-                <a:t>0.2</a:t>
+                <a:t>-0.05</a:t>
               </a:r>
             </a:p>
           </p:txBody>
         </p:sp>
         <p:sp>
           <p:nvSpPr>
-            <p:cNvPr id="41" name="tx41"/>
+            <p:cNvPr id="45" name="tx45"/>
             <p:cNvSpPr/>
             <p:nvPr/>
           </p:nvSpPr>
           <p:spPr>
             <a:xfrm>
-              <a:off x="7599458" y="3094304"/>
-              <a:ext cx="211856" cy="111472"/>
+              <a:off x="7599458" y="3745099"/>
+              <a:ext cx="296614" cy="111397"/>
             </a:xfrm>
             <a:prstGeom prst="rect">
               <a:avLst/>
@@ -4733,14 +4893,198 @@
                   <a:latin typeface="Arial"/>
                   <a:cs typeface="Arial"/>
                 </a:rPr>
-                <a:t>0.3</a:t>
+                <a:t>0.00</a:t>
               </a:r>
             </a:p>
           </p:txBody>
         </p:sp>
         <p:sp>
           <p:nvSpPr>
-            <p:cNvPr id="42" name="pl42"/>
+            <p:cNvPr id="46" name="tx46"/>
+            <p:cNvSpPr/>
+            <p:nvPr/>
+          </p:nvSpPr>
+          <p:spPr>
+            <a:xfrm>
+              <a:off x="7599458" y="3524611"/>
+              <a:ext cx="296614" cy="111397"/>
+            </a:xfrm>
+            <a:prstGeom prst="rect">
+              <a:avLst/>
+            </a:prstGeom>
+            <a:noFill/>
+          </p:spPr>
+          <p:txBody>
+            <a:bodyPr lIns="0" rIns="0" tIns="0" bIns="0" anchorCtr="1" anchor="ctr" wrap="none"/>
+            <a:lstStyle/>
+            <a:p>
+              <a:pPr algn="l" marL="0" marR="0" indent="0">
+                <a:lnSpc>
+                  <a:spcPts val="1200"/>
+                </a:lnSpc>
+                <a:spcBef>
+                  <a:spcPts val="0"/>
+                </a:spcBef>
+                <a:spcAft>
+                  <a:spcPts val="0"/>
+                </a:spcAft>
+              </a:pPr>
+              <a:r>
+                <a:rPr sz="1200">
+                  <a:solidFill>
+                    <a:srgbClr val="000000">
+                      <a:alpha val="100000"/>
+                    </a:srgbClr>
+                  </a:solidFill>
+                  <a:latin typeface="Arial"/>
+                  <a:cs typeface="Arial"/>
+                </a:rPr>
+                <a:t>0.05</a:t>
+              </a:r>
+            </a:p>
+          </p:txBody>
+        </p:sp>
+        <p:sp>
+          <p:nvSpPr>
+            <p:cNvPr id="47" name="tx47"/>
+            <p:cNvSpPr/>
+            <p:nvPr/>
+          </p:nvSpPr>
+          <p:spPr>
+            <a:xfrm>
+              <a:off x="7599458" y="3304123"/>
+              <a:ext cx="296614" cy="111397"/>
+            </a:xfrm>
+            <a:prstGeom prst="rect">
+              <a:avLst/>
+            </a:prstGeom>
+            <a:noFill/>
+          </p:spPr>
+          <p:txBody>
+            <a:bodyPr lIns="0" rIns="0" tIns="0" bIns="0" anchorCtr="1" anchor="ctr" wrap="none"/>
+            <a:lstStyle/>
+            <a:p>
+              <a:pPr algn="l" marL="0" marR="0" indent="0">
+                <a:lnSpc>
+                  <a:spcPts val="1200"/>
+                </a:lnSpc>
+                <a:spcBef>
+                  <a:spcPts val="0"/>
+                </a:spcBef>
+                <a:spcAft>
+                  <a:spcPts val="0"/>
+                </a:spcAft>
+              </a:pPr>
+              <a:r>
+                <a:rPr sz="1200">
+                  <a:solidFill>
+                    <a:srgbClr val="000000">
+                      <a:alpha val="100000"/>
+                    </a:srgbClr>
+                  </a:solidFill>
+                  <a:latin typeface="Arial"/>
+                  <a:cs typeface="Arial"/>
+                </a:rPr>
+                <a:t>0.10</a:t>
+              </a:r>
+            </a:p>
+          </p:txBody>
+        </p:sp>
+        <p:sp>
+          <p:nvSpPr>
+            <p:cNvPr id="48" name="tx48"/>
+            <p:cNvSpPr/>
+            <p:nvPr/>
+          </p:nvSpPr>
+          <p:spPr>
+            <a:xfrm>
+              <a:off x="7599458" y="3083635"/>
+              <a:ext cx="296614" cy="111397"/>
+            </a:xfrm>
+            <a:prstGeom prst="rect">
+              <a:avLst/>
+            </a:prstGeom>
+            <a:noFill/>
+          </p:spPr>
+          <p:txBody>
+            <a:bodyPr lIns="0" rIns="0" tIns="0" bIns="0" anchorCtr="1" anchor="ctr" wrap="none"/>
+            <a:lstStyle/>
+            <a:p>
+              <a:pPr algn="l" marL="0" marR="0" indent="0">
+                <a:lnSpc>
+                  <a:spcPts val="1200"/>
+                </a:lnSpc>
+                <a:spcBef>
+                  <a:spcPts val="0"/>
+                </a:spcBef>
+                <a:spcAft>
+                  <a:spcPts val="0"/>
+                </a:spcAft>
+              </a:pPr>
+              <a:r>
+                <a:rPr sz="1200">
+                  <a:solidFill>
+                    <a:srgbClr val="000000">
+                      <a:alpha val="100000"/>
+                    </a:srgbClr>
+                  </a:solidFill>
+                  <a:latin typeface="Arial"/>
+                  <a:cs typeface="Arial"/>
+                </a:rPr>
+                <a:t>0.15</a:t>
+              </a:r>
+            </a:p>
+          </p:txBody>
+        </p:sp>
+        <p:sp>
+          <p:nvSpPr>
+            <p:cNvPr id="49" name="tx49"/>
+            <p:cNvSpPr/>
+            <p:nvPr/>
+          </p:nvSpPr>
+          <p:spPr>
+            <a:xfrm>
+              <a:off x="7599458" y="2863147"/>
+              <a:ext cx="296614" cy="111397"/>
+            </a:xfrm>
+            <a:prstGeom prst="rect">
+              <a:avLst/>
+            </a:prstGeom>
+            <a:noFill/>
+          </p:spPr>
+          <p:txBody>
+            <a:bodyPr lIns="0" rIns="0" tIns="0" bIns="0" anchorCtr="1" anchor="ctr" wrap="none"/>
+            <a:lstStyle/>
+            <a:p>
+              <a:pPr algn="l" marL="0" marR="0" indent="0">
+                <a:lnSpc>
+                  <a:spcPts val="1200"/>
+                </a:lnSpc>
+                <a:spcBef>
+                  <a:spcPts val="0"/>
+                </a:spcBef>
+                <a:spcAft>
+                  <a:spcPts val="0"/>
+                </a:spcAft>
+              </a:pPr>
+              <a:r>
+                <a:rPr sz="1200">
+                  <a:solidFill>
+                    <a:srgbClr val="000000">
+                      <a:alpha val="100000"/>
+                    </a:srgbClr>
+                  </a:solidFill>
+                  <a:latin typeface="Arial"/>
+                  <a:cs typeface="Arial"/>
+                </a:rPr>
+                <a:t>0.20</a:t>
+              </a:r>
+            </a:p>
+          </p:txBody>
+        </p:sp>
+        <p:sp>
+          <p:nvSpPr>
+            <p:cNvPr id="50" name="pl50"/>
             <p:cNvSpPr/>
             <p:nvPr/>
           </p:nvSpPr>
@@ -4789,7 +5133,7 @@
         </p:sp>
         <p:sp>
           <p:nvSpPr>
-            <p:cNvPr id="43" name="pl43"/>
+            <p:cNvPr id="51" name="pl51"/>
             <p:cNvSpPr/>
             <p:nvPr/>
           </p:nvSpPr>
